--- a/powerpoint/01/sample.pptx
+++ b/powerpoint/01/sample.pptx
@@ -314,7 +314,7 @@
           <a:p>
             <a:fld id="{649C89B7-606C-4AD7-B977-44E090C2C228}" type="datetimeFigureOut">
               <a:rPr kumimoji="1" lang="ja-JP" altLang="en-US" smtClean="0"/>
-              <a:t>2017/11/12</a:t>
+              <a:t>2018/1/4</a:t>
             </a:fld>
             <a:endParaRPr kumimoji="1" lang="ja-JP" altLang="en-US"/>
           </a:p>
@@ -652,7 +652,7 @@
           <a:p>
             <a:fld id="{649C89B7-606C-4AD7-B977-44E090C2C228}" type="datetimeFigureOut">
               <a:rPr kumimoji="1" lang="ja-JP" altLang="en-US" smtClean="0"/>
-              <a:t>2017/11/12</a:t>
+              <a:t>2018/1/4</a:t>
             </a:fld>
             <a:endParaRPr kumimoji="1" lang="ja-JP" altLang="en-US"/>
           </a:p>
@@ -1053,7 +1053,7 @@
           <a:p>
             <a:fld id="{649C89B7-606C-4AD7-B977-44E090C2C228}" type="datetimeFigureOut">
               <a:rPr kumimoji="1" lang="ja-JP" altLang="en-US" smtClean="0"/>
-              <a:t>2017/11/12</a:t>
+              <a:t>2018/1/4</a:t>
             </a:fld>
             <a:endParaRPr kumimoji="1" lang="ja-JP" altLang="en-US"/>
           </a:p>
@@ -1389,7 +1389,7 @@
           <a:p>
             <a:fld id="{649C89B7-606C-4AD7-B977-44E090C2C228}" type="datetimeFigureOut">
               <a:rPr kumimoji="1" lang="ja-JP" altLang="en-US" smtClean="0"/>
-              <a:t>2017/11/12</a:t>
+              <a:t>2018/1/4</a:t>
             </a:fld>
             <a:endParaRPr kumimoji="1" lang="ja-JP" altLang="en-US"/>
           </a:p>
@@ -1709,7 +1709,7 @@
           <a:p>
             <a:fld id="{649C89B7-606C-4AD7-B977-44E090C2C228}" type="datetimeFigureOut">
               <a:rPr kumimoji="1" lang="ja-JP" altLang="en-US" smtClean="0"/>
-              <a:t>2017/11/12</a:t>
+              <a:t>2018/1/4</a:t>
             </a:fld>
             <a:endParaRPr kumimoji="1" lang="ja-JP" altLang="en-US"/>
           </a:p>
@@ -2105,7 +2105,7 @@
           <a:p>
             <a:fld id="{649C89B7-606C-4AD7-B977-44E090C2C228}" type="datetimeFigureOut">
               <a:rPr kumimoji="1" lang="ja-JP" altLang="en-US" smtClean="0"/>
-              <a:t>2017/11/12</a:t>
+              <a:t>2018/1/4</a:t>
             </a:fld>
             <a:endParaRPr kumimoji="1" lang="ja-JP" altLang="en-US"/>
           </a:p>
@@ -2394,7 +2394,7 @@
           <a:p>
             <a:fld id="{649C89B7-606C-4AD7-B977-44E090C2C228}" type="datetimeFigureOut">
               <a:rPr kumimoji="1" lang="ja-JP" altLang="en-US" smtClean="0"/>
-              <a:t>2017/11/12</a:t>
+              <a:t>2018/1/4</a:t>
             </a:fld>
             <a:endParaRPr kumimoji="1" lang="ja-JP" altLang="en-US"/>
           </a:p>
@@ -2688,7 +2688,7 @@
           <a:p>
             <a:fld id="{649C89B7-606C-4AD7-B977-44E090C2C228}" type="datetimeFigureOut">
               <a:rPr kumimoji="1" lang="ja-JP" altLang="en-US" smtClean="0"/>
-              <a:t>2017/11/12</a:t>
+              <a:t>2018/1/4</a:t>
             </a:fld>
             <a:endParaRPr kumimoji="1" lang="ja-JP" altLang="en-US"/>
           </a:p>
@@ -2982,7 +2982,7 @@
           <a:p>
             <a:fld id="{649C89B7-606C-4AD7-B977-44E090C2C228}" type="datetimeFigureOut">
               <a:rPr kumimoji="1" lang="ja-JP" altLang="en-US" smtClean="0"/>
-              <a:t>2017/11/12</a:t>
+              <a:t>2018/1/4</a:t>
             </a:fld>
             <a:endParaRPr kumimoji="1" lang="ja-JP" altLang="en-US"/>
           </a:p>
@@ -3311,7 +3311,7 @@
           <a:p>
             <a:fld id="{649C89B7-606C-4AD7-B977-44E090C2C228}" type="datetimeFigureOut">
               <a:rPr kumimoji="1" lang="ja-JP" altLang="en-US" smtClean="0"/>
-              <a:t>2017/11/12</a:t>
+              <a:t>2018/1/4</a:t>
             </a:fld>
             <a:endParaRPr kumimoji="1" lang="ja-JP" altLang="en-US"/>
           </a:p>
@@ -3698,7 +3698,7 @@
           <a:p>
             <a:fld id="{649C89B7-606C-4AD7-B977-44E090C2C228}" type="datetimeFigureOut">
               <a:rPr kumimoji="1" lang="ja-JP" altLang="en-US" smtClean="0"/>
-              <a:t>2017/11/12</a:t>
+              <a:t>2018/1/4</a:t>
             </a:fld>
             <a:endParaRPr kumimoji="1" lang="ja-JP" altLang="en-US"/>
           </a:p>
@@ -4219,7 +4219,7 @@
           <a:p>
             <a:fld id="{649C89B7-606C-4AD7-B977-44E090C2C228}" type="datetimeFigureOut">
               <a:rPr kumimoji="1" lang="ja-JP" altLang="en-US" smtClean="0"/>
-              <a:t>2017/11/12</a:t>
+              <a:t>2018/1/4</a:t>
             </a:fld>
             <a:endParaRPr kumimoji="1" lang="ja-JP" altLang="en-US"/>
           </a:p>
@@ -4424,7 +4424,7 @@
           <a:p>
             <a:fld id="{649C89B7-606C-4AD7-B977-44E090C2C228}" type="datetimeFigureOut">
               <a:rPr kumimoji="1" lang="ja-JP" altLang="en-US" smtClean="0"/>
-              <a:t>2017/11/12</a:t>
+              <a:t>2018/1/4</a:t>
             </a:fld>
             <a:endParaRPr kumimoji="1" lang="ja-JP" altLang="en-US"/>
           </a:p>
@@ -4601,7 +4601,7 @@
           <a:p>
             <a:fld id="{649C89B7-606C-4AD7-B977-44E090C2C228}" type="datetimeFigureOut">
               <a:rPr kumimoji="1" lang="ja-JP" altLang="en-US" smtClean="0"/>
-              <a:t>2017/11/12</a:t>
+              <a:t>2018/1/4</a:t>
             </a:fld>
             <a:endParaRPr kumimoji="1" lang="ja-JP" altLang="en-US"/>
           </a:p>
@@ -4966,7 +4966,7 @@
           <a:p>
             <a:fld id="{649C89B7-606C-4AD7-B977-44E090C2C228}" type="datetimeFigureOut">
               <a:rPr kumimoji="1" lang="ja-JP" altLang="en-US" smtClean="0"/>
-              <a:t>2017/11/12</a:t>
+              <a:t>2018/1/4</a:t>
             </a:fld>
             <a:endParaRPr kumimoji="1" lang="ja-JP" altLang="en-US"/>
           </a:p>
@@ -5311,7 +5311,7 @@
           <a:p>
             <a:fld id="{649C89B7-606C-4AD7-B977-44E090C2C228}" type="datetimeFigureOut">
               <a:rPr kumimoji="1" lang="ja-JP" altLang="en-US" smtClean="0"/>
-              <a:t>2017/11/12</a:t>
+              <a:t>2018/1/4</a:t>
             </a:fld>
             <a:endParaRPr kumimoji="1" lang="ja-JP" altLang="en-US"/>
           </a:p>
@@ -7460,7 +7460,7 @@
           <a:p>
             <a:fld id="{649C89B7-606C-4AD7-B977-44E090C2C228}" type="datetimeFigureOut">
               <a:rPr kumimoji="1" lang="ja-JP" altLang="en-US" smtClean="0"/>
-              <a:t>2017/11/12</a:t>
+              <a:t>2018/1/4</a:t>
             </a:fld>
             <a:endParaRPr kumimoji="1" lang="ja-JP" altLang="en-US"/>
           </a:p>
@@ -8001,13 +8001,6 @@
               </a:rPr>
               <a:t>わたしの好きな</a:t>
             </a:r>
-            <a:r>
-              <a:rPr lang="en-US" altLang="ja-JP" dirty="0">
-                <a:latin typeface="游ゴシック" panose="020B0400000000000000" pitchFamily="50" charset="-128"/>
-                <a:ea typeface="游ゴシック" panose="020B0400000000000000" pitchFamily="50" charset="-128"/>
-              </a:rPr>
-              <a:t/>
-            </a:r>
             <a:br>
               <a:rPr lang="en-US" altLang="ja-JP" dirty="0">
                 <a:latin typeface="游ゴシック" panose="020B0400000000000000" pitchFamily="50" charset="-128"/>
@@ -8187,15 +8180,187 @@
             <p:ph idx="1"/>
           </p:nvPr>
         </p:nvSpPr>
-        <p:spPr/>
-        <p:txBody>
-          <a:bodyPr/>
+        <p:spPr>
+          <a:xfrm>
+            <a:off x="5943600" y="2284141"/>
+            <a:ext cx="5561012" cy="3777622"/>
+          </a:xfrm>
+        </p:spPr>
+        <p:txBody>
+          <a:bodyPr>
+            <a:noAutofit/>
+          </a:bodyPr>
           <a:lstStyle/>
           <a:p>
-            <a:endParaRPr kumimoji="1" lang="ja-JP" altLang="en-US"/>
-          </a:p>
-        </p:txBody>
-      </p:sp>
+            <a:r>
+              <a:rPr kumimoji="1" lang="ja-JP" altLang="en-US" sz="2800" dirty="0">
+                <a:latin typeface="游ゴシック" panose="020B0400000000000000" pitchFamily="50" charset="-128"/>
+                <a:ea typeface="游ゴシック" panose="020B0400000000000000" pitchFamily="50" charset="-128"/>
+              </a:rPr>
+              <a:t>本・</a:t>
+            </a:r>
+            <a:r>
+              <a:rPr kumimoji="1" lang="en-US" altLang="ja-JP" sz="2800" dirty="0">
+                <a:latin typeface="游ゴシック" panose="020B0400000000000000" pitchFamily="50" charset="-128"/>
+                <a:ea typeface="游ゴシック" panose="020B0400000000000000" pitchFamily="50" charset="-128"/>
+              </a:rPr>
+              <a:t>CD</a:t>
+            </a:r>
+            <a:r>
+              <a:rPr kumimoji="1" lang="ja-JP" altLang="en-US" sz="2800" dirty="0">
+                <a:latin typeface="游ゴシック" panose="020B0400000000000000" pitchFamily="50" charset="-128"/>
+                <a:ea typeface="游ゴシック" panose="020B0400000000000000" pitchFamily="50" charset="-128"/>
+              </a:rPr>
+              <a:t>・</a:t>
+            </a:r>
+            <a:r>
+              <a:rPr kumimoji="1" lang="en-US" altLang="ja-JP" sz="2800" dirty="0">
+                <a:latin typeface="游ゴシック" panose="020B0400000000000000" pitchFamily="50" charset="-128"/>
+                <a:ea typeface="游ゴシック" panose="020B0400000000000000" pitchFamily="50" charset="-128"/>
+              </a:rPr>
+              <a:t>DVD/</a:t>
+            </a:r>
+            <a:r>
+              <a:rPr kumimoji="1" lang="ja-JP" altLang="en-US" sz="2800" dirty="0">
+                <a:latin typeface="游ゴシック" panose="020B0400000000000000" pitchFamily="50" charset="-128"/>
+                <a:ea typeface="游ゴシック" panose="020B0400000000000000" pitchFamily="50" charset="-128"/>
+              </a:rPr>
+              <a:t>ブルーレイなど扱う商品は様々</a:t>
+            </a:r>
+            <a:endParaRPr lang="en-US" altLang="ja-JP" sz="2800" dirty="0">
+              <a:latin typeface="游ゴシック" panose="020B0400000000000000" pitchFamily="50" charset="-128"/>
+              <a:ea typeface="游ゴシック" panose="020B0400000000000000" pitchFamily="50" charset="-128"/>
+            </a:endParaRPr>
+          </a:p>
+          <a:p>
+            <a:r>
+              <a:rPr kumimoji="1" lang="ja-JP" altLang="en-US" sz="2800" dirty="0">
+                <a:latin typeface="游ゴシック" panose="020B0400000000000000" pitchFamily="50" charset="-128"/>
+                <a:ea typeface="游ゴシック" panose="020B0400000000000000" pitchFamily="50" charset="-128"/>
+              </a:rPr>
+              <a:t>注文した本は生協購買で受け取り可能</a:t>
+            </a:r>
+            <a:endParaRPr kumimoji="1" lang="en-US" altLang="ja-JP" sz="2800" dirty="0">
+              <a:latin typeface="游ゴシック" panose="020B0400000000000000" pitchFamily="50" charset="-128"/>
+              <a:ea typeface="游ゴシック" panose="020B0400000000000000" pitchFamily="50" charset="-128"/>
+            </a:endParaRPr>
+          </a:p>
+          <a:p>
+            <a:endParaRPr lang="en-US" altLang="ja-JP" sz="2800" dirty="0">
+              <a:latin typeface="游ゴシック" panose="020B0400000000000000" pitchFamily="50" charset="-128"/>
+              <a:ea typeface="游ゴシック" panose="020B0400000000000000" pitchFamily="50" charset="-128"/>
+            </a:endParaRPr>
+          </a:p>
+          <a:p>
+            <a:pPr marL="0" indent="0" algn="ctr">
+              <a:buNone/>
+            </a:pPr>
+            <a:r>
+              <a:rPr kumimoji="1" lang="en-US" altLang="ja-JP" sz="2800" dirty="0" err="1">
+                <a:latin typeface="游ゴシック" panose="020B0400000000000000" pitchFamily="50" charset="-128"/>
+                <a:ea typeface="游ゴシック" panose="020B0400000000000000" pitchFamily="50" charset="-128"/>
+                <a:hlinkClick r:id="rId2"/>
+              </a:rPr>
+              <a:t>Honya</a:t>
+            </a:r>
+            <a:r>
+              <a:rPr kumimoji="1" lang="ja-JP" altLang="en-US" sz="2800" dirty="0">
+                <a:latin typeface="游ゴシック" panose="020B0400000000000000" pitchFamily="50" charset="-128"/>
+                <a:ea typeface="游ゴシック" panose="020B0400000000000000" pitchFamily="50" charset="-128"/>
+                <a:hlinkClick r:id="rId2"/>
+              </a:rPr>
+              <a:t> </a:t>
+            </a:r>
+            <a:r>
+              <a:rPr kumimoji="1" lang="en-US" altLang="ja-JP" sz="2800" dirty="0">
+                <a:latin typeface="游ゴシック" panose="020B0400000000000000" pitchFamily="50" charset="-128"/>
+                <a:ea typeface="游ゴシック" panose="020B0400000000000000" pitchFamily="50" charset="-128"/>
+                <a:hlinkClick r:id="rId2"/>
+              </a:rPr>
+              <a:t>Club</a:t>
+            </a:r>
+            <a:endParaRPr kumimoji="1" lang="ja-JP" altLang="en-US" sz="2800" dirty="0">
+              <a:latin typeface="游ゴシック" panose="020B0400000000000000" pitchFamily="50" charset="-128"/>
+              <a:ea typeface="游ゴシック" panose="020B0400000000000000" pitchFamily="50" charset="-128"/>
+            </a:endParaRPr>
+          </a:p>
+        </p:txBody>
+      </p:sp>
+      <p:pic>
+        <p:nvPicPr>
+          <p:cNvPr id="5" name="図 4">
+            <a:extLst>
+              <a:ext uri="{FF2B5EF4-FFF2-40B4-BE49-F238E27FC236}">
+                <a16:creationId xmlns:a16="http://schemas.microsoft.com/office/drawing/2014/main" id="{EB0EA363-4517-4DAB-9389-D9EAC4ED7AFA}"/>
+              </a:ext>
+            </a:extLst>
+          </p:cNvPr>
+          <p:cNvPicPr>
+            <a:picLocks noChangeAspect="1"/>
+          </p:cNvPicPr>
+          <p:nvPr/>
+        </p:nvPicPr>
+        <p:blipFill>
+          <a:blip r:embed="rId3" cstate="print">
+            <a:extLst>
+              <a:ext uri="{28A0092B-C50C-407E-A947-70E740481C1C}">
+                <a14:useLocalDpi xmlns:a14="http://schemas.microsoft.com/office/drawing/2010/main" val="0"/>
+              </a:ext>
+              <a:ext uri="{837473B0-CC2E-450A-ABE3-18F120FF3D39}">
+                <a1611:picAttrSrcUrl xmlns:a1611="http://schemas.microsoft.com/office/drawing/2016/11/main" r:id="rId4"/>
+              </a:ext>
+            </a:extLst>
+          </a:blip>
+          <a:stretch>
+            <a:fillRect/>
+          </a:stretch>
+        </p:blipFill>
+        <p:spPr>
+          <a:xfrm>
+            <a:off x="2122166" y="4483635"/>
+            <a:ext cx="2220645" cy="1975988"/>
+          </a:xfrm>
+          <a:prstGeom prst="rect">
+            <a:avLst/>
+          </a:prstGeom>
+        </p:spPr>
+      </p:pic>
+      <p:pic>
+        <p:nvPicPr>
+          <p:cNvPr id="8" name="図 7">
+            <a:extLst>
+              <a:ext uri="{FF2B5EF4-FFF2-40B4-BE49-F238E27FC236}">
+                <a16:creationId xmlns:a16="http://schemas.microsoft.com/office/drawing/2014/main" id="{B2663434-FA58-4A2C-AF7E-6DF35FA29C44}"/>
+              </a:ext>
+            </a:extLst>
+          </p:cNvPr>
+          <p:cNvPicPr>
+            <a:picLocks noChangeAspect="1"/>
+          </p:cNvPicPr>
+          <p:nvPr/>
+        </p:nvPicPr>
+        <p:blipFill>
+          <a:blip r:embed="rId5" cstate="print">
+            <a:extLst>
+              <a:ext uri="{28A0092B-C50C-407E-A947-70E740481C1C}">
+                <a14:useLocalDpi xmlns:a14="http://schemas.microsoft.com/office/drawing/2010/main" val="0"/>
+              </a:ext>
+            </a:extLst>
+          </a:blip>
+          <a:stretch>
+            <a:fillRect/>
+          </a:stretch>
+        </p:blipFill>
+        <p:spPr>
+          <a:xfrm>
+            <a:off x="3005737" y="1739726"/>
+            <a:ext cx="2674147" cy="2540087"/>
+          </a:xfrm>
+          <a:prstGeom prst="rect">
+            <a:avLst/>
+          </a:prstGeom>
+        </p:spPr>
+      </p:pic>
     </p:spTree>
     <p:extLst>
       <p:ext uri="{BB962C8B-B14F-4D97-AF65-F5344CB8AC3E}">
@@ -8206,13 +8371,6 @@
   <p:clrMapOvr>
     <a:masterClrMapping/>
   </p:clrMapOvr>
-  <p:timing>
-    <p:tnLst>
-      <p:par>
-        <p:cTn id="1" dur="indefinite" restart="never" nodeType="tmRoot"/>
-      </p:par>
-    </p:tnLst>
-  </p:timing>
 </p:sld>
 </file>
 
@@ -8288,15 +8446,140 @@
             <p:ph idx="1"/>
           </p:nvPr>
         </p:nvSpPr>
-        <p:spPr/>
-        <p:txBody>
-          <a:bodyPr/>
+        <p:spPr>
+          <a:xfrm>
+            <a:off x="1962615" y="1929556"/>
+            <a:ext cx="4917687" cy="3777622"/>
+          </a:xfrm>
+        </p:spPr>
+        <p:txBody>
+          <a:bodyPr>
+            <a:noAutofit/>
+          </a:bodyPr>
           <a:lstStyle/>
           <a:p>
-            <a:endParaRPr kumimoji="1" lang="ja-JP" altLang="en-US" dirty="0"/>
-          </a:p>
-        </p:txBody>
-      </p:sp>
+            <a:r>
+              <a:rPr kumimoji="1" lang="ja-JP" altLang="en-US" sz="2800" dirty="0">
+                <a:latin typeface="游ゴシック" panose="020B0400000000000000" pitchFamily="50" charset="-128"/>
+                <a:ea typeface="游ゴシック" panose="020B0400000000000000" pitchFamily="50" charset="-128"/>
+              </a:rPr>
+              <a:t>検索エンジン</a:t>
+            </a:r>
+            <a:r>
+              <a:rPr kumimoji="1" lang="en-US" altLang="ja-JP" sz="2800" dirty="0">
+                <a:latin typeface="游ゴシック" panose="020B0400000000000000" pitchFamily="50" charset="-128"/>
+                <a:ea typeface="游ゴシック" panose="020B0400000000000000" pitchFamily="50" charset="-128"/>
+              </a:rPr>
+              <a:t>Google</a:t>
+            </a:r>
+            <a:r>
+              <a:rPr kumimoji="1" lang="ja-JP" altLang="en-US" sz="2800" dirty="0">
+                <a:latin typeface="游ゴシック" panose="020B0400000000000000" pitchFamily="50" charset="-128"/>
+                <a:ea typeface="游ゴシック" panose="020B0400000000000000" pitchFamily="50" charset="-128"/>
+              </a:rPr>
+              <a:t>の地図検索ページ</a:t>
+            </a:r>
+            <a:endParaRPr kumimoji="1" lang="en-US" altLang="ja-JP" sz="2800" dirty="0">
+              <a:latin typeface="游ゴシック" panose="020B0400000000000000" pitchFamily="50" charset="-128"/>
+              <a:ea typeface="游ゴシック" panose="020B0400000000000000" pitchFamily="50" charset="-128"/>
+            </a:endParaRPr>
+          </a:p>
+          <a:p>
+            <a:r>
+              <a:rPr lang="ja-JP" altLang="en-US" sz="2800" dirty="0">
+                <a:latin typeface="游ゴシック" panose="020B0400000000000000" pitchFamily="50" charset="-128"/>
+                <a:ea typeface="游ゴシック" panose="020B0400000000000000" pitchFamily="50" charset="-128"/>
+              </a:rPr>
+              <a:t>地図と重ねて航空写真を見たり、道路からの風景を見ることも可能！</a:t>
+            </a:r>
+            <a:endParaRPr lang="en-US" altLang="ja-JP" sz="2800" dirty="0">
+              <a:latin typeface="游ゴシック" panose="020B0400000000000000" pitchFamily="50" charset="-128"/>
+              <a:ea typeface="游ゴシック" panose="020B0400000000000000" pitchFamily="50" charset="-128"/>
+            </a:endParaRPr>
+          </a:p>
+          <a:p>
+            <a:pPr marL="0" indent="0">
+              <a:buNone/>
+            </a:pPr>
+            <a:endParaRPr lang="en-US" altLang="ja-JP" sz="2800" dirty="0">
+              <a:latin typeface="游ゴシック" panose="020B0400000000000000" pitchFamily="50" charset="-128"/>
+              <a:ea typeface="游ゴシック" panose="020B0400000000000000" pitchFamily="50" charset="-128"/>
+            </a:endParaRPr>
+          </a:p>
+          <a:p>
+            <a:pPr marL="0" indent="0" algn="ctr">
+              <a:buNone/>
+            </a:pPr>
+            <a:r>
+              <a:rPr lang="en-US" altLang="ja-JP" sz="2800" dirty="0">
+                <a:latin typeface="游ゴシック" panose="020B0400000000000000" pitchFamily="50" charset="-128"/>
+                <a:ea typeface="游ゴシック" panose="020B0400000000000000" pitchFamily="50" charset="-128"/>
+                <a:hlinkClick r:id="rId2"/>
+              </a:rPr>
+              <a:t>Google</a:t>
+            </a:r>
+            <a:r>
+              <a:rPr lang="ja-JP" altLang="en-US" sz="2800" dirty="0">
+                <a:latin typeface="游ゴシック" panose="020B0400000000000000" pitchFamily="50" charset="-128"/>
+                <a:ea typeface="游ゴシック" panose="020B0400000000000000" pitchFamily="50" charset="-128"/>
+                <a:hlinkClick r:id="rId2"/>
+              </a:rPr>
+              <a:t> </a:t>
+            </a:r>
+            <a:r>
+              <a:rPr lang="en-US" altLang="ja-JP" sz="2800" dirty="0">
+                <a:latin typeface="游ゴシック" panose="020B0400000000000000" pitchFamily="50" charset="-128"/>
+                <a:ea typeface="游ゴシック" panose="020B0400000000000000" pitchFamily="50" charset="-128"/>
+                <a:hlinkClick r:id="rId2"/>
+              </a:rPr>
+              <a:t>Map</a:t>
+            </a:r>
+            <a:endParaRPr lang="en-US" altLang="ja-JP" sz="2800" dirty="0">
+              <a:latin typeface="游ゴシック" panose="020B0400000000000000" pitchFamily="50" charset="-128"/>
+              <a:ea typeface="游ゴシック" panose="020B0400000000000000" pitchFamily="50" charset="-128"/>
+            </a:endParaRPr>
+          </a:p>
+        </p:txBody>
+      </p:sp>
+      <p:pic>
+        <p:nvPicPr>
+          <p:cNvPr id="5" name="図 4">
+            <a:extLst>
+              <a:ext uri="{FF2B5EF4-FFF2-40B4-BE49-F238E27FC236}">
+                <a16:creationId xmlns:a16="http://schemas.microsoft.com/office/drawing/2014/main" id="{D7C56F51-EE8C-4517-9F46-E88E7FC6D2F8}"/>
+              </a:ext>
+            </a:extLst>
+          </p:cNvPr>
+          <p:cNvPicPr>
+            <a:picLocks noChangeAspect="1"/>
+          </p:cNvPicPr>
+          <p:nvPr/>
+        </p:nvPicPr>
+        <p:blipFill>
+          <a:blip r:embed="rId3">
+            <a:extLst>
+              <a:ext uri="{28A0092B-C50C-407E-A947-70E740481C1C}">
+                <a14:useLocalDpi xmlns:a14="http://schemas.microsoft.com/office/drawing/2010/main" val="0"/>
+              </a:ext>
+              <a:ext uri="{837473B0-CC2E-450A-ABE3-18F120FF3D39}">
+                <a1611:picAttrSrcUrl xmlns:a1611="http://schemas.microsoft.com/office/drawing/2016/11/main" r:id="rId4"/>
+              </a:ext>
+            </a:extLst>
+          </a:blip>
+          <a:stretch>
+            <a:fillRect/>
+          </a:stretch>
+        </p:blipFill>
+        <p:spPr>
+          <a:xfrm>
+            <a:off x="7195987" y="1905000"/>
+            <a:ext cx="4806176" cy="3598567"/>
+          </a:xfrm>
+          <a:prstGeom prst="rect">
+            <a:avLst/>
+          </a:prstGeom>
+        </p:spPr>
+      </p:pic>
     </p:spTree>
     <p:extLst>
       <p:ext uri="{BB962C8B-B14F-4D97-AF65-F5344CB8AC3E}">
@@ -8307,13 +8590,6 @@
   <p:clrMapOvr>
     <a:masterClrMapping/>
   </p:clrMapOvr>
-  <p:timing>
-    <p:tnLst>
-      <p:par>
-        <p:cTn id="1" dur="indefinite" restart="never" nodeType="tmRoot"/>
-      </p:par>
-    </p:tnLst>
-  </p:timing>
 </p:sld>
 </file>
 
@@ -8497,13 +8773,6 @@
   <p:clrMapOvr>
     <a:masterClrMapping/>
   </p:clrMapOvr>
-  <p:timing>
-    <p:tnLst>
-      <p:par>
-        <p:cTn id="1" dur="indefinite" restart="never" nodeType="tmRoot"/>
-      </p:par>
-    </p:tnLst>
-  </p:timing>
 </p:sld>
 </file>
 
@@ -9118,63 +9387,63 @@
         <p:spPr/>
         <p:txBody>
           <a:bodyPr>
-            <a:normAutofit/>
+            <a:noAutofit/>
           </a:bodyPr>
           <a:lstStyle/>
           <a:p>
             <a:r>
-              <a:rPr lang="ja-JP" altLang="en-US" sz="2400" dirty="0">
+              <a:rPr lang="ja-JP" altLang="en-US" sz="2800" dirty="0">
                 <a:latin typeface="游ゴシック" panose="020B0400000000000000" pitchFamily="50" charset="-128"/>
                 <a:ea typeface="游ゴシック" panose="020B0400000000000000" pitchFamily="50" charset="-128"/>
               </a:rPr>
               <a:t>災害などの緊急な出来事の情報が入ってこない</a:t>
             </a:r>
-            <a:endParaRPr lang="en-US" altLang="ja-JP" sz="2400" dirty="0">
+            <a:endParaRPr lang="en-US" altLang="ja-JP" sz="2800" dirty="0">
               <a:latin typeface="游ゴシック" panose="020B0400000000000000" pitchFamily="50" charset="-128"/>
               <a:ea typeface="游ゴシック" panose="020B0400000000000000" pitchFamily="50" charset="-128"/>
             </a:endParaRPr>
           </a:p>
           <a:p>
             <a:r>
-              <a:rPr kumimoji="1" lang="ja-JP" altLang="en-US" sz="2400" dirty="0">
+              <a:rPr kumimoji="1" lang="ja-JP" altLang="en-US" sz="2800" dirty="0">
                 <a:latin typeface="游ゴシック" panose="020B0400000000000000" pitchFamily="50" charset="-128"/>
                 <a:ea typeface="游ゴシック" panose="020B0400000000000000" pitchFamily="50" charset="-128"/>
               </a:rPr>
               <a:t>人々の娯楽がなくなる</a:t>
             </a:r>
-            <a:endParaRPr kumimoji="1" lang="en-US" altLang="ja-JP" sz="2400" dirty="0">
+            <a:endParaRPr kumimoji="1" lang="en-US" altLang="ja-JP" sz="2800" dirty="0">
               <a:latin typeface="游ゴシック" panose="020B0400000000000000" pitchFamily="50" charset="-128"/>
               <a:ea typeface="游ゴシック" panose="020B0400000000000000" pitchFamily="50" charset="-128"/>
             </a:endParaRPr>
           </a:p>
           <a:p>
             <a:r>
-              <a:rPr lang="ja-JP" altLang="en-US" sz="2400" dirty="0">
+              <a:rPr lang="ja-JP" altLang="en-US" sz="2800" dirty="0">
                 <a:latin typeface="游ゴシック" panose="020B0400000000000000" pitchFamily="50" charset="-128"/>
                 <a:ea typeface="游ゴシック" panose="020B0400000000000000" pitchFamily="50" charset="-128"/>
               </a:rPr>
               <a:t>天気予報などを調べることができない</a:t>
             </a:r>
-            <a:endParaRPr lang="en-US" altLang="ja-JP" sz="2400" dirty="0">
+            <a:endParaRPr lang="en-US" altLang="ja-JP" sz="2800" dirty="0">
               <a:latin typeface="游ゴシック" panose="020B0400000000000000" pitchFamily="50" charset="-128"/>
               <a:ea typeface="游ゴシック" panose="020B0400000000000000" pitchFamily="50" charset="-128"/>
             </a:endParaRPr>
           </a:p>
           <a:p>
             <a:r>
-              <a:rPr kumimoji="1" lang="ja-JP" altLang="en-US" sz="2400" dirty="0">
+              <a:rPr kumimoji="1" lang="ja-JP" altLang="en-US" sz="2800" dirty="0">
                 <a:latin typeface="游ゴシック" panose="020B0400000000000000" pitchFamily="50" charset="-128"/>
                 <a:ea typeface="游ゴシック" panose="020B0400000000000000" pitchFamily="50" charset="-128"/>
               </a:rPr>
               <a:t>ネットショッピングができない</a:t>
             </a:r>
-            <a:endParaRPr lang="en-US" altLang="ja-JP" sz="2400" dirty="0">
+            <a:endParaRPr lang="en-US" altLang="ja-JP" sz="2800" dirty="0">
               <a:latin typeface="游ゴシック" panose="020B0400000000000000" pitchFamily="50" charset="-128"/>
               <a:ea typeface="游ゴシック" panose="020B0400000000000000" pitchFamily="50" charset="-128"/>
             </a:endParaRPr>
           </a:p>
           <a:p>
-            <a:endParaRPr kumimoji="1" lang="en-US" altLang="ja-JP" sz="2400" dirty="0">
+            <a:endParaRPr kumimoji="1" lang="en-US" altLang="ja-JP" sz="2800" dirty="0">
               <a:latin typeface="ＭＳ 明朝" panose="02020609040205080304" pitchFamily="17" charset="-128"/>
               <a:ea typeface="ＭＳ 明朝" panose="02020609040205080304" pitchFamily="17" charset="-128"/>
             </a:endParaRPr>
@@ -9184,27 +9453,27 @@
               <a:buNone/>
             </a:pPr>
             <a:r>
-              <a:rPr lang="ja-JP" altLang="en-US" sz="2400" dirty="0"/>
+              <a:rPr lang="ja-JP" altLang="en-US" sz="2800" dirty="0"/>
               <a:t>　　　　　　　　　　</a:t>
             </a:r>
-            <a:endParaRPr lang="en-US" altLang="ja-JP" sz="2400" dirty="0"/>
+            <a:endParaRPr lang="en-US" altLang="ja-JP" sz="2800" dirty="0"/>
           </a:p>
           <a:p>
             <a:pPr marL="0" indent="0">
               <a:buNone/>
             </a:pPr>
             <a:r>
-              <a:rPr lang="ja-JP" altLang="en-US" sz="2400" dirty="0"/>
+              <a:rPr lang="ja-JP" altLang="en-US" sz="2800" dirty="0"/>
               <a:t>　　　　　　　　　　</a:t>
             </a:r>
             <a:r>
-              <a:rPr lang="ja-JP" altLang="en-US" sz="2400" dirty="0">
+              <a:rPr lang="ja-JP" altLang="en-US" sz="2800" dirty="0">
                 <a:latin typeface="游ゴシック" panose="020B0400000000000000" pitchFamily="50" charset="-128"/>
                 <a:ea typeface="游ゴシック" panose="020B0400000000000000" pitchFamily="50" charset="-128"/>
               </a:rPr>
               <a:t>不便である</a:t>
             </a:r>
-            <a:endParaRPr kumimoji="1" lang="ja-JP" altLang="en-US" sz="2400" dirty="0">
+            <a:endParaRPr kumimoji="1" lang="ja-JP" altLang="en-US" sz="2800" dirty="0">
               <a:latin typeface="游ゴシック" panose="020B0400000000000000" pitchFamily="50" charset="-128"/>
               <a:ea typeface="游ゴシック" panose="020B0400000000000000" pitchFamily="50" charset="-128"/>
             </a:endParaRPr>
@@ -9219,7 +9488,7 @@
         </p:nvSpPr>
         <p:spPr>
           <a:xfrm>
-            <a:off x="5845129" y="4270606"/>
+            <a:off x="6291178" y="4493631"/>
             <a:ext cx="1201783" cy="588778"/>
           </a:xfrm>
           <a:prstGeom prst="downArrow">
@@ -9261,13 +9530,6 @@
   <p:clrMapOvr>
     <a:masterClrMapping/>
   </p:clrMapOvr>
-  <p:timing>
-    <p:tnLst>
-      <p:par>
-        <p:cTn id="1" dur="indefinite" restart="never" nodeType="tmRoot"/>
-      </p:par>
-    </p:tnLst>
-  </p:timing>
 </p:sld>
 </file>
 
@@ -9387,13 +9649,6 @@
   <p:clrMapOvr>
     <a:masterClrMapping/>
   </p:clrMapOvr>
-  <p:timing>
-    <p:tnLst>
-      <p:par>
-        <p:cTn id="1" dur="indefinite" restart="never" nodeType="tmRoot"/>
-      </p:par>
-    </p:tnLst>
-  </p:timing>
 </p:sld>
 </file>
 
@@ -9513,6 +9768,7 @@
               <a:rPr kumimoji="1" lang="ja-JP" altLang="en-US" sz="2800" dirty="0">
                 <a:latin typeface="游ゴシック" panose="020B0400000000000000" pitchFamily="50" charset="-128"/>
                 <a:ea typeface="游ゴシック" panose="020B0400000000000000" pitchFamily="50" charset="-128"/>
+                <a:hlinkClick r:id="rId3" action="ppaction://hlinksldjump"/>
               </a:rPr>
               <a:t>国立科学博物館のページ</a:t>
             </a:r>
@@ -9526,6 +9782,7 @@
               <a:rPr lang="ja-JP" altLang="en-US" sz="2800" dirty="0">
                 <a:latin typeface="游ゴシック" panose="020B0400000000000000" pitchFamily="50" charset="-128"/>
                 <a:ea typeface="游ゴシック" panose="020B0400000000000000" pitchFamily="50" charset="-128"/>
+                <a:hlinkClick r:id="rId4" action="ppaction://hlinksldjump"/>
               </a:rPr>
               <a:t>レシピ大百科のページ</a:t>
             </a:r>
@@ -9539,6 +9796,7 @@
               <a:rPr kumimoji="1" lang="en-US" altLang="ja-JP" sz="2800" dirty="0" err="1">
                 <a:latin typeface="游ゴシック" panose="020B0400000000000000" pitchFamily="50" charset="-128"/>
                 <a:ea typeface="游ゴシック" panose="020B0400000000000000" pitchFamily="50" charset="-128"/>
+                <a:hlinkClick r:id="rId5" action="ppaction://hlinksldjump"/>
               </a:rPr>
               <a:t>Honya</a:t>
             </a:r>
@@ -9546,6 +9804,7 @@
               <a:rPr kumimoji="1" lang="ja-JP" altLang="en-US" sz="2800" dirty="0">
                 <a:latin typeface="游ゴシック" panose="020B0400000000000000" pitchFamily="50" charset="-128"/>
                 <a:ea typeface="游ゴシック" panose="020B0400000000000000" pitchFamily="50" charset="-128"/>
+                <a:hlinkClick r:id="rId5" action="ppaction://hlinksldjump"/>
               </a:rPr>
               <a:t> </a:t>
             </a:r>
@@ -9553,6 +9812,7 @@
               <a:rPr kumimoji="1" lang="en-US" altLang="ja-JP" sz="2800" dirty="0">
                 <a:latin typeface="游ゴシック" panose="020B0400000000000000" pitchFamily="50" charset="-128"/>
                 <a:ea typeface="游ゴシック" panose="020B0400000000000000" pitchFamily="50" charset="-128"/>
+                <a:hlinkClick r:id="rId5" action="ppaction://hlinksldjump"/>
               </a:rPr>
               <a:t>Club</a:t>
             </a:r>
@@ -9560,6 +9820,7 @@
               <a:rPr kumimoji="1" lang="ja-JP" altLang="en-US" sz="2800" dirty="0">
                 <a:latin typeface="游ゴシック" panose="020B0400000000000000" pitchFamily="50" charset="-128"/>
                 <a:ea typeface="游ゴシック" panose="020B0400000000000000" pitchFamily="50" charset="-128"/>
+                <a:hlinkClick r:id="rId5" action="ppaction://hlinksldjump"/>
               </a:rPr>
               <a:t>のページ</a:t>
             </a:r>
@@ -9573,6 +9834,7 @@
               <a:rPr lang="en-US" altLang="ja-JP" sz="2800" dirty="0">
                 <a:latin typeface="游ゴシック" panose="020B0400000000000000" pitchFamily="50" charset="-128"/>
                 <a:ea typeface="游ゴシック" panose="020B0400000000000000" pitchFamily="50" charset="-128"/>
+                <a:hlinkClick r:id="rId6" action="ppaction://hlinksldjump"/>
               </a:rPr>
               <a:t>Google</a:t>
             </a:r>
@@ -9580,6 +9842,7 @@
               <a:rPr lang="ja-JP" altLang="en-US" sz="2800" dirty="0">
                 <a:latin typeface="游ゴシック" panose="020B0400000000000000" pitchFamily="50" charset="-128"/>
                 <a:ea typeface="游ゴシック" panose="020B0400000000000000" pitchFamily="50" charset="-128"/>
+                <a:hlinkClick r:id="rId6" action="ppaction://hlinksldjump"/>
               </a:rPr>
               <a:t> </a:t>
             </a:r>
@@ -9587,6 +9850,7 @@
               <a:rPr lang="en-US" altLang="ja-JP" sz="2800" dirty="0">
                 <a:latin typeface="游ゴシック" panose="020B0400000000000000" pitchFamily="50" charset="-128"/>
                 <a:ea typeface="游ゴシック" panose="020B0400000000000000" pitchFamily="50" charset="-128"/>
+                <a:hlinkClick r:id="rId6" action="ppaction://hlinksldjump"/>
               </a:rPr>
               <a:t>Map</a:t>
             </a:r>
@@ -9594,6 +9858,7 @@
               <a:rPr lang="ja-JP" altLang="en-US" sz="2800" dirty="0">
                 <a:latin typeface="游ゴシック" panose="020B0400000000000000" pitchFamily="50" charset="-128"/>
                 <a:ea typeface="游ゴシック" panose="020B0400000000000000" pitchFamily="50" charset="-128"/>
+                <a:hlinkClick r:id="rId6" action="ppaction://hlinksldjump"/>
               </a:rPr>
               <a:t>のページ</a:t>
             </a:r>
@@ -9614,13 +9879,6 @@
   <p:clrMapOvr>
     <a:masterClrMapping/>
   </p:clrMapOvr>
-  <p:timing>
-    <p:tnLst>
-      <p:par>
-        <p:cTn id="1" dur="indefinite" restart="never" nodeType="tmRoot"/>
-      </p:par>
-    </p:tnLst>
-  </p:timing>
 </p:sld>
 </file>
 
@@ -9737,13 +9995,6 @@
               </a:rPr>
               <a:t>スペースシャトルやアポロ月旅行、</a:t>
             </a:r>
-            <a:r>
-              <a:rPr lang="en-US" altLang="ja-JP" sz="2800" dirty="0">
-                <a:latin typeface="游ゴシック" panose="020B0400000000000000" pitchFamily="50" charset="-128"/>
-                <a:ea typeface="游ゴシック" panose="020B0400000000000000" pitchFamily="50" charset="-128"/>
-              </a:rPr>
-              <a:t/>
-            </a:r>
             <a:br>
               <a:rPr lang="en-US" altLang="ja-JP" sz="2800" dirty="0">
                 <a:latin typeface="游ゴシック" panose="020B0400000000000000" pitchFamily="50" charset="-128"/>
@@ -9756,6 +10007,29 @@
                 <a:ea typeface="游ゴシック" panose="020B0400000000000000" pitchFamily="50" charset="-128"/>
               </a:rPr>
               <a:t>火星についてなどいろいろな宇宙の情報が満載！！</a:t>
+            </a:r>
+            <a:endParaRPr lang="en-US" altLang="ja-JP" sz="2800" dirty="0">
+              <a:latin typeface="游ゴシック" panose="020B0400000000000000" pitchFamily="50" charset="-128"/>
+              <a:ea typeface="游ゴシック" panose="020B0400000000000000" pitchFamily="50" charset="-128"/>
+            </a:endParaRPr>
+          </a:p>
+          <a:p>
+            <a:endParaRPr lang="en-US" altLang="ja-JP" sz="2800" dirty="0">
+              <a:latin typeface="游ゴシック" panose="020B0400000000000000" pitchFamily="50" charset="-128"/>
+              <a:ea typeface="游ゴシック" panose="020B0400000000000000" pitchFamily="50" charset="-128"/>
+            </a:endParaRPr>
+          </a:p>
+          <a:p>
+            <a:pPr marL="0" indent="0" algn="ctr">
+              <a:buNone/>
+            </a:pPr>
+            <a:r>
+              <a:rPr lang="en-US" altLang="ja-JP" sz="2800" dirty="0">
+                <a:latin typeface="游ゴシック" panose="020B0400000000000000" pitchFamily="50" charset="-128"/>
+                <a:ea typeface="游ゴシック" panose="020B0400000000000000" pitchFamily="50" charset="-128"/>
+                <a:hlinkClick r:id="rId2"/>
+              </a:rPr>
+              <a:t>NASA</a:t>
             </a:r>
             <a:endParaRPr lang="en-US" altLang="ja-JP" sz="2800" dirty="0">
               <a:latin typeface="游ゴシック" panose="020B0400000000000000" pitchFamily="50" charset="-128"/>
@@ -9773,7 +10047,7 @@
           <p:nvPr/>
         </p:nvPicPr>
         <p:blipFill>
-          <a:blip r:embed="rId2" cstate="print">
+          <a:blip r:embed="rId3" cstate="print">
             <a:extLst>
               <a:ext uri="{28A0092B-C50C-407E-A947-70E740481C1C}">
                 <a14:useLocalDpi xmlns:a14="http://schemas.microsoft.com/office/drawing/2010/main" val="0"/>
@@ -9786,7 +10060,7 @@
         </p:blipFill>
         <p:spPr>
           <a:xfrm rot="20549211">
-            <a:off x="4874775" y="3711222"/>
+            <a:off x="2731298" y="3791958"/>
             <a:ext cx="2928410" cy="3350743"/>
           </a:xfrm>
           <a:prstGeom prst="rect">
@@ -9804,13 +10078,6 @@
   <p:clrMapOvr>
     <a:masterClrMapping/>
   </p:clrMapOvr>
-  <p:timing>
-    <p:tnLst>
-      <p:par>
-        <p:cTn id="1" dur="indefinite" restart="never" nodeType="tmRoot"/>
-      </p:par>
-    </p:tnLst>
-  </p:timing>
 </p:sld>
 </file>
 
@@ -9841,7 +10108,12 @@
             <p:ph type="title"/>
           </p:nvPr>
         </p:nvSpPr>
-        <p:spPr/>
+        <p:spPr>
+          <a:xfrm>
+            <a:off x="1640156" y="646412"/>
+            <a:ext cx="8911687" cy="1280890"/>
+          </a:xfrm>
+        </p:spPr>
         <p:txBody>
           <a:bodyPr>
             <a:normAutofit/>
@@ -9915,13 +10187,6 @@
               </a:rPr>
               <a:t>常設展の詳しい説明、</a:t>
             </a:r>
-            <a:r>
-              <a:rPr lang="en-US" altLang="ja-JP" sz="2800" dirty="0">
-                <a:latin typeface="游ゴシック" panose="020B0400000000000000" pitchFamily="50" charset="-128"/>
-                <a:ea typeface="游ゴシック" panose="020B0400000000000000" pitchFamily="50" charset="-128"/>
-              </a:rPr>
-              <a:t/>
-            </a:r>
             <a:br>
               <a:rPr lang="en-US" altLang="ja-JP" sz="2800" dirty="0">
                 <a:latin typeface="游ゴシック" panose="020B0400000000000000" pitchFamily="50" charset="-128"/>
@@ -9935,13 +10200,6 @@
               </a:rPr>
               <a:t>期間限定の展示の告知・説明と、</a:t>
             </a:r>
-            <a:r>
-              <a:rPr lang="en-US" altLang="ja-JP" sz="2800" dirty="0">
-                <a:latin typeface="游ゴシック" panose="020B0400000000000000" pitchFamily="50" charset="-128"/>
-                <a:ea typeface="游ゴシック" panose="020B0400000000000000" pitchFamily="50" charset="-128"/>
-              </a:rPr>
-              <a:t/>
-            </a:r>
             <a:br>
               <a:rPr lang="en-US" altLang="ja-JP" sz="2800" dirty="0">
                 <a:latin typeface="游ゴシック" panose="020B0400000000000000" pitchFamily="50" charset="-128"/>
@@ -9954,6 +10212,49 @@
                 <a:ea typeface="游ゴシック" panose="020B0400000000000000" pitchFamily="50" charset="-128"/>
               </a:rPr>
               <a:t>様々な情報が盛りだくさん！！</a:t>
+            </a:r>
+            <a:endParaRPr lang="en-US" altLang="ja-JP" sz="2800" dirty="0">
+              <a:latin typeface="游ゴシック" panose="020B0400000000000000" pitchFamily="50" charset="-128"/>
+              <a:ea typeface="游ゴシック" panose="020B0400000000000000" pitchFamily="50" charset="-128"/>
+            </a:endParaRPr>
+          </a:p>
+          <a:p>
+            <a:r>
+              <a:rPr kumimoji="1" lang="ja-JP" altLang="en-US" sz="2800" dirty="0">
+                <a:latin typeface="游ゴシック" panose="020B0400000000000000" pitchFamily="50" charset="-128"/>
+                <a:ea typeface="游ゴシック" panose="020B0400000000000000" pitchFamily="50" charset="-128"/>
+              </a:rPr>
+              <a:t>首都大生は入館無料！</a:t>
+            </a:r>
+            <a:endParaRPr kumimoji="1" lang="en-US" altLang="ja-JP" sz="2800" dirty="0">
+              <a:latin typeface="游ゴシック" panose="020B0400000000000000" pitchFamily="50" charset="-128"/>
+              <a:ea typeface="游ゴシック" panose="020B0400000000000000" pitchFamily="50" charset="-128"/>
+            </a:endParaRPr>
+          </a:p>
+          <a:p>
+            <a:endParaRPr lang="en-US" altLang="ja-JP" sz="2800" dirty="0">
+              <a:latin typeface="游ゴシック" panose="020B0400000000000000" pitchFamily="50" charset="-128"/>
+              <a:ea typeface="游ゴシック" panose="020B0400000000000000" pitchFamily="50" charset="-128"/>
+            </a:endParaRPr>
+          </a:p>
+          <a:p>
+            <a:pPr marL="0" indent="0">
+              <a:buNone/>
+            </a:pPr>
+            <a:r>
+              <a:rPr kumimoji="1" lang="ja-JP" altLang="en-US" sz="2800" dirty="0">
+                <a:latin typeface="游ゴシック" panose="020B0400000000000000" pitchFamily="50" charset="-128"/>
+                <a:ea typeface="游ゴシック" panose="020B0400000000000000" pitchFamily="50" charset="-128"/>
+              </a:rPr>
+              <a:t>　　　</a:t>
+            </a:r>
+            <a:r>
+              <a:rPr kumimoji="1" lang="ja-JP" altLang="en-US" sz="2800" dirty="0">
+                <a:latin typeface="游ゴシック" panose="020B0400000000000000" pitchFamily="50" charset="-128"/>
+                <a:ea typeface="游ゴシック" panose="020B0400000000000000" pitchFamily="50" charset="-128"/>
+                <a:hlinkClick r:id="rId2"/>
+              </a:rPr>
+              <a:t>国立科学博物館</a:t>
             </a:r>
             <a:endParaRPr kumimoji="1" lang="ja-JP" altLang="en-US" sz="2800" dirty="0">
               <a:latin typeface="游ゴシック" panose="020B0400000000000000" pitchFamily="50" charset="-128"/>
@@ -9971,7 +10272,7 @@
           <p:nvPr/>
         </p:nvPicPr>
         <p:blipFill>
-          <a:blip r:embed="rId2" cstate="print">
+          <a:blip r:embed="rId3" cstate="print">
             <a:extLst>
               <a:ext uri="{28A0092B-C50C-407E-A947-70E740481C1C}">
                 <a14:useLocalDpi xmlns:a14="http://schemas.microsoft.com/office/drawing/2010/main" val="0"/>
@@ -10002,13 +10303,6 @@
   <p:clrMapOvr>
     <a:masterClrMapping/>
   </p:clrMapOvr>
-  <p:timing>
-    <p:tnLst>
-      <p:par>
-        <p:cTn id="1" dur="indefinite" restart="never" nodeType="tmRoot"/>
-      </p:par>
-    </p:tnLst>
-  </p:timing>
 </p:sld>
 </file>
 
@@ -10072,15 +10366,135 @@
             <p:ph idx="1"/>
           </p:nvPr>
         </p:nvSpPr>
-        <p:spPr/>
-        <p:txBody>
-          <a:bodyPr/>
+        <p:spPr>
+          <a:xfrm>
+            <a:off x="2040673" y="2133600"/>
+            <a:ext cx="6155473" cy="3777622"/>
+          </a:xfrm>
+        </p:spPr>
+        <p:txBody>
+          <a:bodyPr>
+            <a:noAutofit/>
+          </a:bodyPr>
           <a:lstStyle/>
           <a:p>
-            <a:endParaRPr kumimoji="1" lang="ja-JP" altLang="en-US"/>
-          </a:p>
-        </p:txBody>
-      </p:sp>
+            <a:r>
+              <a:rPr kumimoji="1" lang="en-US" altLang="ja-JP" sz="2800" dirty="0">
+                <a:latin typeface="游ゴシック" panose="020B0400000000000000" pitchFamily="50" charset="-128"/>
+                <a:ea typeface="游ゴシック" panose="020B0400000000000000" pitchFamily="50" charset="-128"/>
+              </a:rPr>
+              <a:t>AJINOMOTO</a:t>
+            </a:r>
+            <a:r>
+              <a:rPr kumimoji="1" lang="ja-JP" altLang="en-US" sz="2800" dirty="0">
+                <a:latin typeface="游ゴシック" panose="020B0400000000000000" pitchFamily="50" charset="-128"/>
+                <a:ea typeface="游ゴシック" panose="020B0400000000000000" pitchFamily="50" charset="-128"/>
+              </a:rPr>
+              <a:t>提供の</a:t>
+            </a:r>
+            <a:r>
+              <a:rPr kumimoji="1" lang="en-US" altLang="ja-JP" sz="2800" dirty="0">
+                <a:latin typeface="游ゴシック" panose="020B0400000000000000" pitchFamily="50" charset="-128"/>
+                <a:ea typeface="游ゴシック" panose="020B0400000000000000" pitchFamily="50" charset="-128"/>
+              </a:rPr>
+              <a:t>Web</a:t>
+            </a:r>
+            <a:r>
+              <a:rPr kumimoji="1" lang="ja-JP" altLang="en-US" sz="2800" dirty="0">
+                <a:latin typeface="游ゴシック" panose="020B0400000000000000" pitchFamily="50" charset="-128"/>
+                <a:ea typeface="游ゴシック" panose="020B0400000000000000" pitchFamily="50" charset="-128"/>
+              </a:rPr>
+              <a:t>ページ</a:t>
+            </a:r>
+            <a:endParaRPr kumimoji="1" lang="en-US" altLang="ja-JP" sz="2800" dirty="0">
+              <a:latin typeface="游ゴシック" panose="020B0400000000000000" pitchFamily="50" charset="-128"/>
+              <a:ea typeface="游ゴシック" panose="020B0400000000000000" pitchFamily="50" charset="-128"/>
+            </a:endParaRPr>
+          </a:p>
+          <a:p>
+            <a:r>
+              <a:rPr lang="ja-JP" altLang="en-US" sz="2800" dirty="0">
+                <a:latin typeface="游ゴシック" panose="020B0400000000000000" pitchFamily="50" charset="-128"/>
+                <a:ea typeface="游ゴシック" panose="020B0400000000000000" pitchFamily="50" charset="-128"/>
+              </a:rPr>
+              <a:t>「今日の献立」など日替わり情報や「今週の献立一覧」などレシピが豊富</a:t>
+            </a:r>
+            <a:endParaRPr kumimoji="1" lang="en-US" altLang="ja-JP" sz="2800" dirty="0">
+              <a:latin typeface="游ゴシック" panose="020B0400000000000000" pitchFamily="50" charset="-128"/>
+              <a:ea typeface="游ゴシック" panose="020B0400000000000000" pitchFamily="50" charset="-128"/>
+            </a:endParaRPr>
+          </a:p>
+          <a:p>
+            <a:r>
+              <a:rPr lang="ja-JP" altLang="en-US" sz="2800" dirty="0">
+                <a:latin typeface="游ゴシック" panose="020B0400000000000000" pitchFamily="50" charset="-128"/>
+                <a:ea typeface="游ゴシック" panose="020B0400000000000000" pitchFamily="50" charset="-128"/>
+              </a:rPr>
+              <a:t>検索機能も充実！料理って楽しい！</a:t>
+            </a:r>
+            <a:endParaRPr kumimoji="1" lang="en-US" altLang="ja-JP" sz="2800" dirty="0">
+              <a:latin typeface="游ゴシック" panose="020B0400000000000000" pitchFamily="50" charset="-128"/>
+              <a:ea typeface="游ゴシック" panose="020B0400000000000000" pitchFamily="50" charset="-128"/>
+            </a:endParaRPr>
+          </a:p>
+          <a:p>
+            <a:pPr marL="0" indent="0" algn="ctr">
+              <a:buNone/>
+            </a:pPr>
+            <a:r>
+              <a:rPr kumimoji="1" lang="ja-JP" altLang="en-US" sz="2800" dirty="0">
+                <a:latin typeface="游ゴシック" panose="020B0400000000000000" pitchFamily="50" charset="-128"/>
+                <a:ea typeface="游ゴシック" panose="020B0400000000000000" pitchFamily="50" charset="-128"/>
+                <a:hlinkClick r:id="rId2"/>
+              </a:rPr>
+              <a:t>レシピ大百科</a:t>
+            </a:r>
+            <a:endParaRPr kumimoji="1" lang="en-US" altLang="ja-JP" sz="2800" dirty="0">
+              <a:latin typeface="游ゴシック" panose="020B0400000000000000" pitchFamily="50" charset="-128"/>
+              <a:ea typeface="游ゴシック" panose="020B0400000000000000" pitchFamily="50" charset="-128"/>
+            </a:endParaRPr>
+          </a:p>
+        </p:txBody>
+      </p:sp>
+      <p:pic>
+        <p:nvPicPr>
+          <p:cNvPr id="5" name="図 4">
+            <a:extLst>
+              <a:ext uri="{FF2B5EF4-FFF2-40B4-BE49-F238E27FC236}">
+                <a16:creationId xmlns:a16="http://schemas.microsoft.com/office/drawing/2014/main" id="{8FB8CB97-54BC-45F9-B9CA-49482C42009A}"/>
+              </a:ext>
+            </a:extLst>
+          </p:cNvPr>
+          <p:cNvPicPr>
+            <a:picLocks noChangeAspect="1"/>
+          </p:cNvPicPr>
+          <p:nvPr/>
+        </p:nvPicPr>
+        <p:blipFill>
+          <a:blip r:embed="rId3">
+            <a:extLst>
+              <a:ext uri="{28A0092B-C50C-407E-A947-70E740481C1C}">
+                <a14:useLocalDpi xmlns:a14="http://schemas.microsoft.com/office/drawing/2010/main" val="0"/>
+              </a:ext>
+              <a:ext uri="{837473B0-CC2E-450A-ABE3-18F120FF3D39}">
+                <a1611:picAttrSrcUrl xmlns:a1611="http://schemas.microsoft.com/office/drawing/2016/11/main" r:id="rId4"/>
+              </a:ext>
+            </a:extLst>
+          </a:blip>
+          <a:stretch>
+            <a:fillRect/>
+          </a:stretch>
+        </p:blipFill>
+        <p:spPr>
+          <a:xfrm>
+            <a:off x="8385718" y="1994145"/>
+            <a:ext cx="3445726" cy="3741299"/>
+          </a:xfrm>
+          <a:prstGeom prst="rect">
+            <a:avLst/>
+          </a:prstGeom>
+        </p:spPr>
+      </p:pic>
     </p:spTree>
     <p:extLst>
       <p:ext uri="{BB962C8B-B14F-4D97-AF65-F5344CB8AC3E}">
@@ -10091,13 +10505,6 @@
   <p:clrMapOvr>
     <a:masterClrMapping/>
   </p:clrMapOvr>
-  <p:timing>
-    <p:tnLst>
-      <p:par>
-        <p:cTn id="1" dur="indefinite" restart="never" nodeType="tmRoot"/>
-      </p:par>
-    </p:tnLst>
-  </p:timing>
 </p:sld>
 </file>
 
